--- a/Presentazione/Progetto ICon.pptx
+++ b/Presentazione/Progetto ICon.pptx
@@ -6,18 +6,19 @@
   </p:sldMasterIdLst>
   <p:sldIdLst>
     <p:sldId id="256" r:id="rId2"/>
-    <p:sldId id="257" r:id="rId3"/>
-    <p:sldId id="258" r:id="rId4"/>
-    <p:sldId id="259" r:id="rId5"/>
-    <p:sldId id="260" r:id="rId6"/>
-    <p:sldId id="261" r:id="rId7"/>
-    <p:sldId id="262" r:id="rId8"/>
-    <p:sldId id="264" r:id="rId9"/>
-    <p:sldId id="263" r:id="rId10"/>
-    <p:sldId id="265" r:id="rId11"/>
-    <p:sldId id="266" r:id="rId12"/>
-    <p:sldId id="267" r:id="rId13"/>
-    <p:sldId id="268" r:id="rId14"/>
+    <p:sldId id="269" r:id="rId3"/>
+    <p:sldId id="257" r:id="rId4"/>
+    <p:sldId id="258" r:id="rId5"/>
+    <p:sldId id="259" r:id="rId6"/>
+    <p:sldId id="260" r:id="rId7"/>
+    <p:sldId id="261" r:id="rId8"/>
+    <p:sldId id="262" r:id="rId9"/>
+    <p:sldId id="264" r:id="rId10"/>
+    <p:sldId id="263" r:id="rId11"/>
+    <p:sldId id="265" r:id="rId12"/>
+    <p:sldId id="266" r:id="rId13"/>
+    <p:sldId id="267" r:id="rId14"/>
+    <p:sldId id="268" r:id="rId15"/>
   </p:sldIdLst>
   <p:sldSz cx="12192000" cy="6858000"/>
   <p:notesSz cx="6858000" cy="9144000"/>
@@ -348,7 +349,7 @@
           <a:p>
             <a:fld id="{3AF28D6B-DB26-44E1-B5CB-C4CB68CF2B94}" type="datetimeFigureOut">
               <a:rPr lang="it-IT" smtClean="0"/>
-              <a:t>25/01/2020</a:t>
+              <a:t>01/02/2020</a:t>
             </a:fld>
             <a:endParaRPr lang="it-IT"/>
           </a:p>
@@ -518,7 +519,7 @@
           <a:p>
             <a:fld id="{3AF28D6B-DB26-44E1-B5CB-C4CB68CF2B94}" type="datetimeFigureOut">
               <a:rPr lang="it-IT" smtClean="0"/>
-              <a:t>25/01/2020</a:t>
+              <a:t>01/02/2020</a:t>
             </a:fld>
             <a:endParaRPr lang="it-IT"/>
           </a:p>
@@ -698,7 +699,7 @@
           <a:p>
             <a:fld id="{3AF28D6B-DB26-44E1-B5CB-C4CB68CF2B94}" type="datetimeFigureOut">
               <a:rPr lang="it-IT" smtClean="0"/>
-              <a:t>25/01/2020</a:t>
+              <a:t>01/02/2020</a:t>
             </a:fld>
             <a:endParaRPr lang="it-IT"/>
           </a:p>
@@ -868,7 +869,7 @@
           <a:p>
             <a:fld id="{3AF28D6B-DB26-44E1-B5CB-C4CB68CF2B94}" type="datetimeFigureOut">
               <a:rPr lang="it-IT" smtClean="0"/>
-              <a:t>25/01/2020</a:t>
+              <a:t>01/02/2020</a:t>
             </a:fld>
             <a:endParaRPr lang="it-IT"/>
           </a:p>
@@ -1126,7 +1127,7 @@
           <a:p>
             <a:fld id="{3AF28D6B-DB26-44E1-B5CB-C4CB68CF2B94}" type="datetimeFigureOut">
               <a:rPr lang="it-IT" smtClean="0"/>
-              <a:t>25/01/2020</a:t>
+              <a:t>01/02/2020</a:t>
             </a:fld>
             <a:endParaRPr lang="it-IT"/>
           </a:p>
@@ -1414,7 +1415,7 @@
           <a:p>
             <a:fld id="{3AF28D6B-DB26-44E1-B5CB-C4CB68CF2B94}" type="datetimeFigureOut">
               <a:rPr lang="it-IT" smtClean="0"/>
-              <a:t>25/01/2020</a:t>
+              <a:t>01/02/2020</a:t>
             </a:fld>
             <a:endParaRPr lang="it-IT"/>
           </a:p>
@@ -1856,7 +1857,7 @@
           <a:p>
             <a:fld id="{3AF28D6B-DB26-44E1-B5CB-C4CB68CF2B94}" type="datetimeFigureOut">
               <a:rPr lang="it-IT" smtClean="0"/>
-              <a:t>25/01/2020</a:t>
+              <a:t>01/02/2020</a:t>
             </a:fld>
             <a:endParaRPr lang="it-IT"/>
           </a:p>
@@ -1974,7 +1975,7 @@
           <a:p>
             <a:fld id="{3AF28D6B-DB26-44E1-B5CB-C4CB68CF2B94}" type="datetimeFigureOut">
               <a:rPr lang="it-IT" smtClean="0"/>
-              <a:t>25/01/2020</a:t>
+              <a:t>01/02/2020</a:t>
             </a:fld>
             <a:endParaRPr lang="it-IT"/>
           </a:p>
@@ -2069,7 +2070,7 @@
           <a:p>
             <a:fld id="{3AF28D6B-DB26-44E1-B5CB-C4CB68CF2B94}" type="datetimeFigureOut">
               <a:rPr lang="it-IT" smtClean="0"/>
-              <a:t>25/01/2020</a:t>
+              <a:t>01/02/2020</a:t>
             </a:fld>
             <a:endParaRPr lang="it-IT"/>
           </a:p>
@@ -2357,7 +2358,7 @@
           <a:p>
             <a:fld id="{3AF28D6B-DB26-44E1-B5CB-C4CB68CF2B94}" type="datetimeFigureOut">
               <a:rPr lang="it-IT" smtClean="0"/>
-              <a:t>25/01/2020</a:t>
+              <a:t>01/02/2020</a:t>
             </a:fld>
             <a:endParaRPr lang="it-IT"/>
           </a:p>
@@ -2630,7 +2631,7 @@
           <a:p>
             <a:fld id="{3AF28D6B-DB26-44E1-B5CB-C4CB68CF2B94}" type="datetimeFigureOut">
               <a:rPr lang="it-IT" smtClean="0"/>
-              <a:t>25/01/2020</a:t>
+              <a:t>01/02/2020</a:t>
             </a:fld>
             <a:endParaRPr lang="it-IT"/>
           </a:p>
@@ -2927,7 +2928,7 @@
           <a:p>
             <a:fld id="{3AF28D6B-DB26-44E1-B5CB-C4CB68CF2B94}" type="datetimeFigureOut">
               <a:rPr lang="it-IT" smtClean="0"/>
-              <a:t>25/01/2020</a:t>
+              <a:t>01/02/2020</a:t>
             </a:fld>
             <a:endParaRPr lang="it-IT"/>
           </a:p>
@@ -3516,12 +3517,15 @@
             <a:endParaRPr lang="it-IT" sz="3600" dirty="0" smtClean="0"/>
           </a:p>
           <a:p>
-            <a:endParaRPr lang="it-IT" sz="2800" dirty="0" smtClean="0"/>
-          </a:p>
-          <a:p>
             <a:r>
               <a:rPr lang="it-IT" sz="2800" dirty="0" smtClean="0"/>
-              <a:t>Docente:</a:t>
+              <a:t>				</a:t>
+            </a:r>
+          </a:p>
+          <a:p>
+            <a:r>
+              <a:rPr lang="it-IT" sz="2800" dirty="0" smtClean="0"/>
+              <a:t>Docente:			</a:t>
             </a:r>
           </a:p>
           <a:p>
@@ -3546,7 +3550,7 @@
         <p:spPr>
           <a:xfrm>
             <a:off x="9292046" y="879566"/>
-            <a:ext cx="2899954" cy="4893647"/>
+            <a:ext cx="2899954" cy="5170646"/>
           </a:xfrm>
           <a:prstGeom prst="rect">
             <a:avLst/>
@@ -3583,12 +3587,6 @@
             <a:endParaRPr lang="it-IT" sz="2400" dirty="0" smtClean="0"/>
           </a:p>
           <a:p>
-            <a:endParaRPr lang="it-IT" sz="2400" dirty="0"/>
-          </a:p>
-          <a:p>
-            <a:endParaRPr lang="it-IT" sz="2400" dirty="0" smtClean="0"/>
-          </a:p>
-          <a:p>
             <a:r>
               <a:rPr lang="it-IT" sz="2400" dirty="0" smtClean="0"/>
               <a:t>Componenti gruppo:</a:t>
@@ -3604,7 +3602,7 @@
             </a:pPr>
             <a:r>
               <a:rPr lang="it-IT" sz="2200" dirty="0" smtClean="0"/>
-              <a:t>Celenza Francesco</a:t>
+              <a:t>Celenza Francesco(680053)</a:t>
             </a:r>
           </a:p>
           <a:p>
@@ -3614,7 +3612,7 @@
             </a:pPr>
             <a:r>
               <a:rPr lang="it-IT" sz="2200" dirty="0" smtClean="0"/>
-              <a:t>Benedetti Francesco </a:t>
+              <a:t>Benedetti Francesco(684313) </a:t>
             </a:r>
           </a:p>
           <a:p>
@@ -3628,9 +3626,8 @@
             </a:r>
             <a:r>
               <a:rPr lang="it-IT" sz="2200" dirty="0" smtClean="0"/>
-              <a:t> Nicola</a:t>
-            </a:r>
-            <a:endParaRPr lang="it-IT" sz="2200" dirty="0"/>
+              <a:t> Nicola(688153)</a:t>
+            </a:r>
           </a:p>
         </p:txBody>
       </p:sp>
@@ -3666,59 +3663,18 @@
       </p:grpSpPr>
       <p:sp>
         <p:nvSpPr>
-          <p:cNvPr id="5" name="Rettangolo 4"/>
-          <p:cNvSpPr/>
-          <p:nvPr/>
+          <p:cNvPr id="2" name="Titolo 1"/>
+          <p:cNvSpPr>
+            <a:spLocks noGrp="1"/>
+          </p:cNvSpPr>
+          <p:nvPr>
+            <p:ph type="title"/>
+          </p:nvPr>
         </p:nvSpPr>
         <p:spPr>
           <a:xfrm>
-            <a:off x="3715444" y="2822410"/>
-            <a:ext cx="5855736" cy="2717074"/>
-          </a:xfrm>
-          <a:prstGeom prst="rect">
-            <a:avLst/>
-          </a:prstGeom>
-          <a:ln/>
-        </p:spPr>
-        <p:style>
-          <a:lnRef idx="2">
-            <a:schemeClr val="accent1"/>
-          </a:lnRef>
-          <a:fillRef idx="1">
-            <a:schemeClr val="lt1"/>
-          </a:fillRef>
-          <a:effectRef idx="0">
-            <a:schemeClr val="accent1"/>
-          </a:effectRef>
-          <a:fontRef idx="minor">
-            <a:schemeClr val="dk1"/>
-          </a:fontRef>
-        </p:style>
-        <p:txBody>
-          <a:bodyPr rtlCol="0" anchor="ctr"/>
-          <a:lstStyle/>
-          <a:p>
-            <a:pPr algn="ctr"/>
-            <a:endParaRPr lang="it-IT">
-              <a:noFill/>
-            </a:endParaRPr>
-          </a:p>
-        </p:txBody>
-      </p:sp>
-      <p:sp>
-        <p:nvSpPr>
-          <p:cNvPr id="2" name="Titolo 1"/>
-          <p:cNvSpPr>
-            <a:spLocks noGrp="1"/>
-          </p:cNvSpPr>
-          <p:nvPr>
-            <p:ph type="title"/>
-          </p:nvPr>
-        </p:nvSpPr>
-        <p:spPr>
-          <a:xfrm>
-            <a:off x="104504" y="1123837"/>
-            <a:ext cx="3300548" cy="4601183"/>
+            <a:off x="113211" y="1123837"/>
+            <a:ext cx="3230880" cy="4601183"/>
           </a:xfrm>
         </p:spPr>
         <p:txBody>
@@ -3733,78 +3689,84 @@
               <a:rPr lang="it-IT" dirty="0"/>
             </a:br>
             <a:r>
-              <a:rPr lang="it-IT" b="1" dirty="0"/>
+              <a:rPr lang="it-IT" b="1" dirty="0" smtClean="0"/>
               <a:t>GeoLocation.py</a:t>
             </a:r>
             <a:endParaRPr lang="it-IT" dirty="0"/>
           </a:p>
         </p:txBody>
       </p:sp>
-      <p:pic>
-        <p:nvPicPr>
-          <p:cNvPr id="4" name="Segnaposto contenuto 3"/>
-          <p:cNvPicPr>
-            <a:picLocks noGrp="1" noChangeAspect="1"/>
-          </p:cNvPicPr>
+      <p:sp>
+        <p:nvSpPr>
+          <p:cNvPr id="3" name="Segnaposto contenuto 2"/>
+          <p:cNvSpPr>
+            <a:spLocks noGrp="1"/>
+          </p:cNvSpPr>
           <p:nvPr>
             <p:ph idx="1"/>
           </p:nvPr>
-        </p:nvPicPr>
-        <p:blipFill>
-          <a:blip r:embed="rId2">
-            <a:extLst>
-              <a:ext uri="{28A0092B-C50C-407E-A947-70E740481C1C}">
-                <a14:useLocalDpi xmlns:a14="http://schemas.microsoft.com/office/drawing/2010/main" val="0"/>
-              </a:ext>
-            </a:extLst>
-          </a:blip>
-          <a:stretch>
-            <a:fillRect/>
-          </a:stretch>
-        </p:blipFill>
-        <p:spPr>
-          <a:xfrm>
-            <a:off x="3790936" y="2945112"/>
-            <a:ext cx="5704752" cy="2594372"/>
-          </a:xfrm>
-        </p:spPr>
-      </p:pic>
-      <p:sp>
-        <p:nvSpPr>
-          <p:cNvPr id="6" name="CasellaDiTesto 5"/>
-          <p:cNvSpPr txBox="1"/>
-          <p:nvPr/>
-        </p:nvSpPr>
-        <p:spPr>
-          <a:xfrm>
-            <a:off x="3639952" y="1224742"/>
-            <a:ext cx="5855736" cy="1846659"/>
-          </a:xfrm>
-          <a:prstGeom prst="rect">
-            <a:avLst/>
-          </a:prstGeom>
-          <a:noFill/>
-        </p:spPr>
-        <p:txBody>
-          <a:bodyPr wrap="square" rtlCol="0">
-            <a:spAutoFit/>
+        </p:nvSpPr>
+        <p:spPr/>
+        <p:txBody>
+          <a:bodyPr>
+            <a:normAutofit/>
           </a:bodyPr>
           <a:lstStyle/>
           <a:p>
             <a:r>
               <a:rPr lang="it-IT" sz="2400" dirty="0" smtClean="0"/>
-              <a:t>Nell’esempio viene mostrato l’inserimento della malattia e della posizione e successivamente la lista degli ospedali e le distanze.</a:t>
-            </a:r>
-          </a:p>
-          <a:p>
-            <a:endParaRPr lang="it-IT" dirty="0"/>
+              <a:t>Nel modulo è contenuta la funzione </a:t>
+            </a:r>
+            <a:r>
+              <a:rPr lang="it-IT" sz="2400" b="1" dirty="0" err="1" smtClean="0"/>
+              <a:t>findBestPlace</a:t>
+            </a:r>
+            <a:r>
+              <a:rPr lang="it-IT" sz="2400" dirty="0" smtClean="0"/>
+              <a:t> che prende in input la </a:t>
+            </a:r>
+            <a:r>
+              <a:rPr lang="it-IT" sz="2400" b="1" dirty="0" smtClean="0"/>
+              <a:t>diagnos</a:t>
+            </a:r>
+            <a:r>
+              <a:rPr lang="it-IT" sz="2400" dirty="0" smtClean="0"/>
+              <a:t>i scelta e la </a:t>
+            </a:r>
+            <a:r>
+              <a:rPr lang="it-IT" sz="2400" b="1" dirty="0" smtClean="0"/>
+              <a:t>posizione</a:t>
+            </a:r>
+            <a:r>
+              <a:rPr lang="it-IT" sz="2400" dirty="0" smtClean="0"/>
+              <a:t> inserita dall’utente.</a:t>
+            </a:r>
+          </a:p>
+          <a:p>
+            <a:r>
+              <a:rPr lang="it-IT" sz="2400" dirty="0" smtClean="0"/>
+              <a:t> Il sistema verifica quale centro è in grado di curare quella diagnosi.</a:t>
+            </a:r>
+          </a:p>
+          <a:p>
+            <a:r>
+              <a:rPr lang="it-IT" sz="2400" dirty="0" smtClean="0"/>
+              <a:t>Calcola la distanza tra la posizione e i centri nel database.</a:t>
+            </a:r>
+          </a:p>
+          <a:p>
+            <a:r>
+              <a:rPr lang="it-IT" sz="2400" dirty="0" smtClean="0"/>
+              <a:t>Fornisce all’utente una lista con i centri e le relative distanze dalla posizione inserita.</a:t>
+            </a:r>
+            <a:endParaRPr lang="it-IT" sz="2400" dirty="0"/>
           </a:p>
         </p:txBody>
       </p:sp>
     </p:spTree>
     <p:extLst>
       <p:ext uri="{BB962C8B-B14F-4D97-AF65-F5344CB8AC3E}">
-        <p14:creationId xmlns:p14="http://schemas.microsoft.com/office/powerpoint/2010/main" val="3636765433"/>
+        <p14:creationId xmlns:p14="http://schemas.microsoft.com/office/powerpoint/2010/main" val="1777442372"/>
       </p:ext>
     </p:extLst>
   </p:cSld>
@@ -3833,6 +3795,47 @@
       </p:grpSpPr>
       <p:sp>
         <p:nvSpPr>
+          <p:cNvPr id="5" name="Rettangolo 4"/>
+          <p:cNvSpPr/>
+          <p:nvPr/>
+        </p:nvSpPr>
+        <p:spPr>
+          <a:xfrm>
+            <a:off x="3715444" y="2822410"/>
+            <a:ext cx="5855736" cy="2717074"/>
+          </a:xfrm>
+          <a:prstGeom prst="rect">
+            <a:avLst/>
+          </a:prstGeom>
+          <a:ln/>
+        </p:spPr>
+        <p:style>
+          <a:lnRef idx="2">
+            <a:schemeClr val="accent1"/>
+          </a:lnRef>
+          <a:fillRef idx="1">
+            <a:schemeClr val="lt1"/>
+          </a:fillRef>
+          <a:effectRef idx="0">
+            <a:schemeClr val="accent1"/>
+          </a:effectRef>
+          <a:fontRef idx="minor">
+            <a:schemeClr val="dk1"/>
+          </a:fontRef>
+        </p:style>
+        <p:txBody>
+          <a:bodyPr rtlCol="0" anchor="ctr"/>
+          <a:lstStyle/>
+          <a:p>
+            <a:pPr algn="ctr"/>
+            <a:endParaRPr lang="it-IT">
+              <a:noFill/>
+            </a:endParaRPr>
+          </a:p>
+        </p:txBody>
+      </p:sp>
+      <p:sp>
+        <p:nvSpPr>
           <p:cNvPr id="2" name="Titolo 1"/>
           <p:cNvSpPr>
             <a:spLocks noGrp="1"/>
@@ -3841,7 +3844,12 @@
             <p:ph type="title"/>
           </p:nvPr>
         </p:nvSpPr>
-        <p:spPr/>
+        <p:spPr>
+          <a:xfrm>
+            <a:off x="104504" y="1123837"/>
+            <a:ext cx="3300548" cy="4601183"/>
+          </a:xfrm>
+        </p:spPr>
         <p:txBody>
           <a:bodyPr/>
           <a:lstStyle/>
@@ -3854,64 +3862,78 @@
               <a:rPr lang="it-IT" dirty="0"/>
             </a:br>
             <a:r>
-              <a:rPr lang="it-IT" b="1" dirty="0" smtClean="0"/>
-              <a:t>main.py</a:t>
+              <a:rPr lang="it-IT" b="1" dirty="0"/>
+              <a:t>GeoLocation.py</a:t>
             </a:r>
             <a:endParaRPr lang="it-IT" dirty="0"/>
           </a:p>
         </p:txBody>
       </p:sp>
-      <p:sp>
-        <p:nvSpPr>
-          <p:cNvPr id="3" name="Segnaposto contenuto 2"/>
-          <p:cNvSpPr>
-            <a:spLocks noGrp="1"/>
-          </p:cNvSpPr>
+      <p:pic>
+        <p:nvPicPr>
+          <p:cNvPr id="4" name="Segnaposto contenuto 3"/>
+          <p:cNvPicPr>
+            <a:picLocks noGrp="1" noChangeAspect="1"/>
+          </p:cNvPicPr>
           <p:nvPr>
             <p:ph idx="1"/>
           </p:nvPr>
-        </p:nvSpPr>
-        <p:spPr/>
-        <p:txBody>
-          <a:bodyPr>
-            <a:normAutofit/>
+        </p:nvPicPr>
+        <p:blipFill>
+          <a:blip r:embed="rId2">
+            <a:extLst>
+              <a:ext uri="{28A0092B-C50C-407E-A947-70E740481C1C}">
+                <a14:useLocalDpi xmlns:a14="http://schemas.microsoft.com/office/drawing/2010/main" val="0"/>
+              </a:ext>
+            </a:extLst>
+          </a:blip>
+          <a:stretch>
+            <a:fillRect/>
+          </a:stretch>
+        </p:blipFill>
+        <p:spPr>
+          <a:xfrm>
+            <a:off x="3790936" y="2945112"/>
+            <a:ext cx="5704752" cy="2594372"/>
+          </a:xfrm>
+        </p:spPr>
+      </p:pic>
+      <p:sp>
+        <p:nvSpPr>
+          <p:cNvPr id="6" name="CasellaDiTesto 5"/>
+          <p:cNvSpPr txBox="1"/>
+          <p:nvPr/>
+        </p:nvSpPr>
+        <p:spPr>
+          <a:xfrm>
+            <a:off x="3639952" y="1224742"/>
+            <a:ext cx="5855736" cy="1846659"/>
+          </a:xfrm>
+          <a:prstGeom prst="rect">
+            <a:avLst/>
+          </a:prstGeom>
+          <a:noFill/>
+        </p:spPr>
+        <p:txBody>
+          <a:bodyPr wrap="square" rtlCol="0">
+            <a:spAutoFit/>
           </a:bodyPr>
           <a:lstStyle/>
           <a:p>
             <a:r>
               <a:rPr lang="it-IT" sz="2400" dirty="0" smtClean="0"/>
-              <a:t>Nel modulo </a:t>
-            </a:r>
-            <a:r>
-              <a:rPr lang="it-IT" sz="2400" dirty="0" smtClean="0"/>
-              <a:t>vengono richiamate alcune delle funzioni contenute negli altri moduli.</a:t>
-            </a:r>
-            <a:r>
-              <a:rPr lang="it-IT" sz="2400" dirty="0" smtClean="0"/>
-              <a:t> </a:t>
-            </a:r>
-          </a:p>
-          <a:p>
-            <a:r>
-              <a:rPr lang="it-IT" sz="2400" dirty="0" smtClean="0"/>
-              <a:t>È presente una funzione(</a:t>
-            </a:r>
-            <a:r>
-              <a:rPr lang="it-IT" sz="2400" b="1" dirty="0" err="1" smtClean="0"/>
-              <a:t>read_symptoms</a:t>
-            </a:r>
-            <a:r>
-              <a:rPr lang="it-IT" sz="2400" dirty="0" smtClean="0"/>
-              <a:t>) utilizzata per la lettura dei sintomi inseriti dall’utente.</a:t>
-            </a:r>
-            <a:endParaRPr lang="it-IT" sz="2400" dirty="0"/>
+              <a:t>Nell’esempio viene mostrato l’inserimento della malattia e della posizione e successivamente la lista degli ospedali e le distanze.</a:t>
+            </a:r>
+          </a:p>
+          <a:p>
+            <a:endParaRPr lang="it-IT" dirty="0"/>
           </a:p>
         </p:txBody>
       </p:sp>
     </p:spTree>
     <p:extLst>
       <p:ext uri="{BB962C8B-B14F-4D97-AF65-F5344CB8AC3E}">
-        <p14:creationId xmlns:p14="http://schemas.microsoft.com/office/powerpoint/2010/main" val="3150191496"/>
+        <p14:creationId xmlns:p14="http://schemas.microsoft.com/office/powerpoint/2010/main" val="3636765433"/>
       </p:ext>
     </p:extLst>
   </p:cSld>
@@ -3940,6 +3962,105 @@
       </p:grpSpPr>
       <p:sp>
         <p:nvSpPr>
+          <p:cNvPr id="2" name="Titolo 1"/>
+          <p:cNvSpPr>
+            <a:spLocks noGrp="1"/>
+          </p:cNvSpPr>
+          <p:nvPr>
+            <p:ph type="title"/>
+          </p:nvPr>
+        </p:nvSpPr>
+        <p:spPr/>
+        <p:txBody>
+          <a:bodyPr/>
+          <a:lstStyle/>
+          <a:p>
+            <a:r>
+              <a:rPr lang="it-IT" dirty="0"/>
+              <a:t>ANALISI DEI MODULI:</a:t>
+            </a:r>
+            <a:br>
+              <a:rPr lang="it-IT" dirty="0"/>
+            </a:br>
+            <a:r>
+              <a:rPr lang="it-IT" b="1" dirty="0" smtClean="0"/>
+              <a:t>main.py</a:t>
+            </a:r>
+            <a:endParaRPr lang="it-IT" dirty="0"/>
+          </a:p>
+        </p:txBody>
+      </p:sp>
+      <p:sp>
+        <p:nvSpPr>
+          <p:cNvPr id="3" name="Segnaposto contenuto 2"/>
+          <p:cNvSpPr>
+            <a:spLocks noGrp="1"/>
+          </p:cNvSpPr>
+          <p:nvPr>
+            <p:ph idx="1"/>
+          </p:nvPr>
+        </p:nvSpPr>
+        <p:spPr/>
+        <p:txBody>
+          <a:bodyPr>
+            <a:normAutofit/>
+          </a:bodyPr>
+          <a:lstStyle/>
+          <a:p>
+            <a:r>
+              <a:rPr lang="it-IT" sz="2400" dirty="0" smtClean="0"/>
+              <a:t>Nel modulo vengono richiamate alcune delle funzioni contenute negli altri moduli. </a:t>
+            </a:r>
+          </a:p>
+          <a:p>
+            <a:r>
+              <a:rPr lang="it-IT" sz="2400" dirty="0" smtClean="0"/>
+              <a:t>È presente una funzione(</a:t>
+            </a:r>
+            <a:r>
+              <a:rPr lang="it-IT" sz="2400" b="1" dirty="0" err="1" smtClean="0"/>
+              <a:t>read_symptoms</a:t>
+            </a:r>
+            <a:r>
+              <a:rPr lang="it-IT" sz="2400" dirty="0" smtClean="0"/>
+              <a:t>) utilizzata per la lettura dei sintomi inseriti dall’utente.</a:t>
+            </a:r>
+            <a:endParaRPr lang="it-IT" sz="2400" dirty="0"/>
+          </a:p>
+        </p:txBody>
+      </p:sp>
+    </p:spTree>
+    <p:extLst>
+      <p:ext uri="{BB962C8B-B14F-4D97-AF65-F5344CB8AC3E}">
+        <p14:creationId xmlns:p14="http://schemas.microsoft.com/office/powerpoint/2010/main" val="3150191496"/>
+      </p:ext>
+    </p:extLst>
+  </p:cSld>
+  <p:clrMapOvr>
+    <a:masterClrMapping/>
+  </p:clrMapOvr>
+</p:sld>
+</file>
+
+<file path=ppt/slides/slide13.xml><?xml version="1.0" encoding="utf-8"?>
+<p:sld xmlns:a="http://schemas.openxmlformats.org/drawingml/2006/main" xmlns:r="http://schemas.openxmlformats.org/officeDocument/2006/relationships" xmlns:p="http://schemas.openxmlformats.org/presentationml/2006/main">
+  <p:cSld>
+    <p:spTree>
+      <p:nvGrpSpPr>
+        <p:cNvPr id="1" name=""/>
+        <p:cNvGrpSpPr/>
+        <p:nvPr/>
+      </p:nvGrpSpPr>
+      <p:grpSpPr>
+        <a:xfrm>
+          <a:off x="0" y="0"/>
+          <a:ext cx="0" cy="0"/>
+          <a:chOff x="0" y="0"/>
+          <a:chExt cx="0" cy="0"/>
+        </a:xfrm>
+      </p:grpSpPr>
+      <p:sp>
+        <p:nvSpPr>
           <p:cNvPr id="5" name="Rettangolo 4"/>
           <p:cNvSpPr/>
           <p:nvPr/>
@@ -4081,7 +4202,7 @@
 </p:sld>
 </file>
 
-<file path=ppt/slides/slide13.xml><?xml version="1.0" encoding="utf-8"?>
+<file path=ppt/slides/slide14.xml><?xml version="1.0" encoding="utf-8"?>
 <p:sld xmlns:a="http://schemas.openxmlformats.org/drawingml/2006/main" xmlns:r="http://schemas.openxmlformats.org/officeDocument/2006/relationships" xmlns:p="http://schemas.openxmlformats.org/presentationml/2006/main">
   <p:cSld>
     <p:spTree>
@@ -4190,36 +4311,6 @@
       </p:grpSpPr>
       <p:sp>
         <p:nvSpPr>
-          <p:cNvPr id="2" name="Titolo 1"/>
-          <p:cNvSpPr>
-            <a:spLocks noGrp="1"/>
-          </p:cNvSpPr>
-          <p:nvPr>
-            <p:ph type="title"/>
-          </p:nvPr>
-        </p:nvSpPr>
-        <p:spPr/>
-        <p:txBody>
-          <a:bodyPr/>
-          <a:lstStyle/>
-          <a:p>
-            <a:r>
-              <a:rPr lang="it-IT" dirty="0" smtClean="0"/>
-              <a:t>DESCRIZIONE</a:t>
-            </a:r>
-            <a:br>
-              <a:rPr lang="it-IT" dirty="0" smtClean="0"/>
-            </a:br>
-            <a:r>
-              <a:rPr lang="it-IT" dirty="0" smtClean="0"/>
-              <a:t>GENERALE DEL SISTEMA</a:t>
-            </a:r>
-            <a:endParaRPr lang="it-IT" dirty="0"/>
-          </a:p>
-        </p:txBody>
-      </p:sp>
-      <p:sp>
-        <p:nvSpPr>
           <p:cNvPr id="3" name="Segnaposto contenuto 2"/>
           <p:cNvSpPr>
             <a:spLocks noGrp="1"/>
@@ -4235,50 +4326,72 @@
           </a:bodyPr>
           <a:lstStyle/>
           <a:p>
-            <a:pPr marL="0" indent="0" algn="just">
+            <a:pPr marL="0" indent="0">
               <a:buNone/>
             </a:pPr>
             <a:r>
               <a:rPr lang="it-IT" sz="2400" dirty="0" smtClean="0"/>
-              <a:t>Il prodotto è un </a:t>
+              <a:t>Link Progetto: </a:t>
+            </a:r>
+            <a:r>
+              <a:rPr lang="it-IT" sz="2400" dirty="0">
+                <a:hlinkClick r:id="rId2"/>
+              </a:rPr>
+              <a:t>https://</a:t>
+            </a:r>
+            <a:r>
+              <a:rPr lang="it-IT" sz="2400" dirty="0" smtClean="0">
+                <a:hlinkClick r:id="rId2"/>
+              </a:rPr>
+              <a:t>github.com/FrancescoCel/ICon</a:t>
+            </a:r>
+            <a:endParaRPr lang="it-IT" sz="2400" dirty="0" smtClean="0"/>
+          </a:p>
+          <a:p>
+            <a:pPr marL="0" indent="0">
+              <a:buNone/>
+            </a:pPr>
+            <a:r>
+              <a:rPr lang="it-IT" sz="2400" dirty="0" smtClean="0"/>
+              <a:t>La documentazione del Progetto è reperibile nel seguente percorso: </a:t>
             </a:r>
             <a:r>
               <a:rPr lang="it-IT" sz="2400" b="1" dirty="0" smtClean="0"/>
-              <a:t>sistema esperto </a:t>
-            </a:r>
-            <a:r>
-              <a:rPr lang="it-IT" sz="2400" dirty="0" smtClean="0"/>
-              <a:t>che, in base a dei sintomi che l’utente inserisce, restituisce una lista di possibili diagnosi associate ad essi e una probabilità correlata ad ogni diagnosi. Successivamente l’utente potrà scegliere quale delle diagnosi </a:t>
-            </a:r>
-            <a:r>
-              <a:rPr lang="it-IT" sz="2400" dirty="0" smtClean="0"/>
-              <a:t>vuole </a:t>
-            </a:r>
-            <a:r>
-              <a:rPr lang="it-IT" sz="2400" dirty="0" smtClean="0"/>
-              <a:t>curare e il sistema gli fornirà i centri </a:t>
-            </a:r>
-            <a:r>
-              <a:rPr lang="it-IT" sz="2400" dirty="0" err="1" smtClean="0"/>
-              <a:t>piu’</a:t>
-            </a:r>
-            <a:r>
-              <a:rPr lang="it-IT" sz="2400" dirty="0" smtClean="0"/>
-              <a:t> vicini che sono in grado di curarla.</a:t>
-            </a:r>
-          </a:p>
-          <a:p>
-            <a:pPr marL="0" indent="0" algn="just">
+              <a:t>doc/_</a:t>
+            </a:r>
+            <a:r>
+              <a:rPr lang="it-IT" sz="2400" b="1" dirty="0" err="1" smtClean="0"/>
+              <a:t>build</a:t>
+            </a:r>
+            <a:r>
+              <a:rPr lang="it-IT" sz="2400" b="1" dirty="0" smtClean="0"/>
+              <a:t>/html/index.html</a:t>
+            </a:r>
+          </a:p>
+          <a:p>
+            <a:pPr marL="0" indent="0">
               <a:buNone/>
             </a:pPr>
-            <a:endParaRPr lang="it-IT" sz="2400" dirty="0"/>
+            <a:endParaRPr lang="it-IT" sz="2400" b="1" dirty="0"/>
+          </a:p>
+          <a:p>
+            <a:pPr marL="0" indent="0">
+              <a:buNone/>
+            </a:pPr>
+            <a:endParaRPr lang="it-IT" sz="2400" b="1" dirty="0" smtClean="0"/>
+          </a:p>
+          <a:p>
+            <a:pPr marL="0" indent="0">
+              <a:buNone/>
+            </a:pPr>
+            <a:endParaRPr lang="it-IT" sz="2400" b="1" dirty="0"/>
           </a:p>
         </p:txBody>
       </p:sp>
     </p:spTree>
     <p:extLst>
       <p:ext uri="{BB962C8B-B14F-4D97-AF65-F5344CB8AC3E}">
-        <p14:creationId xmlns:p14="http://schemas.microsoft.com/office/powerpoint/2010/main" val="3240299443"/>
+        <p14:creationId xmlns:p14="http://schemas.microsoft.com/office/powerpoint/2010/main" val="3444360171"/>
       </p:ext>
     </p:extLst>
   </p:cSld>
@@ -4321,16 +4434,17 @@
           <a:lstStyle/>
           <a:p>
             <a:r>
-              <a:rPr lang="it-IT" dirty="0"/>
+              <a:rPr lang="it-IT" dirty="0" smtClean="0"/>
               <a:t>DESCRIZIONE</a:t>
             </a:r>
             <a:br>
-              <a:rPr lang="it-IT" dirty="0"/>
+              <a:rPr lang="it-IT" dirty="0" smtClean="0"/>
             </a:br>
             <a:r>
-              <a:rPr lang="it-IT" dirty="0"/>
+              <a:rPr lang="it-IT" dirty="0" smtClean="0"/>
               <a:t>GENERALE DEL SISTEMA</a:t>
             </a:r>
+            <a:endParaRPr lang="it-IT" dirty="0"/>
           </a:p>
         </p:txBody>
       </p:sp>
@@ -4346,77 +4460,47 @@
         </p:nvSpPr>
         <p:spPr/>
         <p:txBody>
-          <a:bodyPr/>
-          <a:lstStyle/>
-          <a:p>
-            <a:pPr marL="0" indent="0">
+          <a:bodyPr>
+            <a:normAutofit/>
+          </a:bodyPr>
+          <a:lstStyle/>
+          <a:p>
+            <a:pPr marL="0" indent="0" algn="just">
               <a:buNone/>
             </a:pPr>
             <a:r>
               <a:rPr lang="it-IT" sz="2400" dirty="0" smtClean="0"/>
-              <a:t>È composto da 4 moduli:</a:t>
-            </a:r>
-          </a:p>
-          <a:p>
-            <a:pPr marL="457200" indent="-457200">
-              <a:buFont typeface="+mj-lt"/>
-              <a:buAutoNum type="arabicPeriod"/>
+              <a:t>Il prodotto è un </a:t>
+            </a:r>
+            <a:r>
+              <a:rPr lang="it-IT" sz="2400" b="1" dirty="0" smtClean="0"/>
+              <a:t>sistema esperto </a:t>
+            </a:r>
+            <a:r>
+              <a:rPr lang="it-IT" sz="2400" dirty="0" smtClean="0"/>
+              <a:t>che, in base a dei sintomi che l’utente inserisce, restituisce una lista di possibili diagnosi associate ad essi e una probabilità correlata ad ogni diagnosi. Successivamente l’utente potrà scegliere quale delle diagnosi vuole curare e il sistema gli fornirà i centri </a:t>
+            </a:r>
+            <a:r>
+              <a:rPr lang="it-IT" sz="2400" dirty="0" err="1" smtClean="0"/>
+              <a:t>piu’</a:t>
+            </a:r>
+            <a:r>
+              <a:rPr lang="it-IT" sz="2400" dirty="0" smtClean="0"/>
+              <a:t> vicini che sono in grado di curarla.</a:t>
+            </a:r>
+          </a:p>
+          <a:p>
+            <a:pPr marL="0" indent="0" algn="just">
+              <a:buNone/>
             </a:pPr>
-            <a:r>
-              <a:rPr lang="it-IT" sz="2400" b="1" dirty="0" smtClean="0"/>
-              <a:t>SQL.py</a:t>
-            </a:r>
-          </a:p>
-          <a:p>
-            <a:pPr marL="457200" indent="-457200">
-              <a:buFont typeface="+mj-lt"/>
-              <a:buAutoNum type="arabicPeriod"/>
-            </a:pPr>
-            <a:r>
-              <a:rPr lang="it-IT" sz="2400" b="1" dirty="0" smtClean="0"/>
-              <a:t>BayesianNet.py</a:t>
-            </a:r>
-          </a:p>
-          <a:p>
-            <a:pPr marL="457200" indent="-457200">
-              <a:buFont typeface="+mj-lt"/>
-              <a:buAutoNum type="arabicPeriod"/>
-            </a:pPr>
-            <a:r>
-              <a:rPr lang="it-IT" sz="2400" b="1" dirty="0" smtClean="0"/>
-              <a:t>GeoLocation.py</a:t>
-            </a:r>
-          </a:p>
-          <a:p>
-            <a:pPr marL="457200" indent="-457200">
-              <a:buFont typeface="+mj-lt"/>
-              <a:buAutoNum type="arabicPeriod"/>
-            </a:pPr>
-            <a:r>
-              <a:rPr lang="it-IT" sz="2400" b="1" dirty="0"/>
-              <a:t>m</a:t>
-            </a:r>
-            <a:r>
-              <a:rPr lang="it-IT" sz="2400" b="1" dirty="0" smtClean="0"/>
-              <a:t>ain.py</a:t>
-            </a:r>
-          </a:p>
-          <a:p>
-            <a:pPr marL="0" indent="0">
-              <a:buNone/>
-            </a:pPr>
-            <a:r>
-              <a:rPr lang="it-IT" b="1" dirty="0" smtClean="0"/>
-              <a:t>                  </a:t>
-            </a:r>
-            <a:endParaRPr lang="it-IT" b="1" dirty="0"/>
+            <a:endParaRPr lang="it-IT" sz="2400" dirty="0"/>
           </a:p>
         </p:txBody>
       </p:sp>
     </p:spTree>
     <p:extLst>
       <p:ext uri="{BB962C8B-B14F-4D97-AF65-F5344CB8AC3E}">
-        <p14:creationId xmlns:p14="http://schemas.microsoft.com/office/powerpoint/2010/main" val="1100959680"/>
+        <p14:creationId xmlns:p14="http://schemas.microsoft.com/office/powerpoint/2010/main" val="3240299443"/>
       </p:ext>
     </p:extLst>
   </p:cSld>
@@ -4459,6 +4543,144 @@
           <a:lstStyle/>
           <a:p>
             <a:r>
+              <a:rPr lang="it-IT" dirty="0"/>
+              <a:t>DESCRIZIONE</a:t>
+            </a:r>
+            <a:br>
+              <a:rPr lang="it-IT" dirty="0"/>
+            </a:br>
+            <a:r>
+              <a:rPr lang="it-IT" dirty="0"/>
+              <a:t>GENERALE DEL SISTEMA</a:t>
+            </a:r>
+          </a:p>
+        </p:txBody>
+      </p:sp>
+      <p:sp>
+        <p:nvSpPr>
+          <p:cNvPr id="3" name="Segnaposto contenuto 2"/>
+          <p:cNvSpPr>
+            <a:spLocks noGrp="1"/>
+          </p:cNvSpPr>
+          <p:nvPr>
+            <p:ph idx="1"/>
+          </p:nvPr>
+        </p:nvSpPr>
+        <p:spPr/>
+        <p:txBody>
+          <a:bodyPr/>
+          <a:lstStyle/>
+          <a:p>
+            <a:pPr marL="0" indent="0">
+              <a:buNone/>
+            </a:pPr>
+            <a:r>
+              <a:rPr lang="it-IT" sz="2400" dirty="0" smtClean="0"/>
+              <a:t>È composto da 4 moduli:</a:t>
+            </a:r>
+          </a:p>
+          <a:p>
+            <a:pPr marL="457200" indent="-457200">
+              <a:buFont typeface="+mj-lt"/>
+              <a:buAutoNum type="arabicPeriod"/>
+            </a:pPr>
+            <a:r>
+              <a:rPr lang="it-IT" sz="2400" b="1" dirty="0" smtClean="0"/>
+              <a:t>SQL.py</a:t>
+            </a:r>
+          </a:p>
+          <a:p>
+            <a:pPr marL="457200" indent="-457200">
+              <a:buFont typeface="+mj-lt"/>
+              <a:buAutoNum type="arabicPeriod"/>
+            </a:pPr>
+            <a:r>
+              <a:rPr lang="it-IT" sz="2400" b="1" dirty="0" smtClean="0"/>
+              <a:t>BayesianNet.py</a:t>
+            </a:r>
+          </a:p>
+          <a:p>
+            <a:pPr marL="457200" indent="-457200">
+              <a:buFont typeface="+mj-lt"/>
+              <a:buAutoNum type="arabicPeriod"/>
+            </a:pPr>
+            <a:r>
+              <a:rPr lang="it-IT" sz="2400" b="1" dirty="0" smtClean="0"/>
+              <a:t>GeoLocation.py</a:t>
+            </a:r>
+          </a:p>
+          <a:p>
+            <a:pPr marL="457200" indent="-457200">
+              <a:buFont typeface="+mj-lt"/>
+              <a:buAutoNum type="arabicPeriod"/>
+            </a:pPr>
+            <a:r>
+              <a:rPr lang="it-IT" sz="2400" b="1" dirty="0"/>
+              <a:t>m</a:t>
+            </a:r>
+            <a:r>
+              <a:rPr lang="it-IT" sz="2400" b="1" dirty="0" smtClean="0"/>
+              <a:t>ain.py</a:t>
+            </a:r>
+          </a:p>
+          <a:p>
+            <a:pPr marL="0" indent="0">
+              <a:buNone/>
+            </a:pPr>
+            <a:r>
+              <a:rPr lang="it-IT" b="1" dirty="0" smtClean="0"/>
+              <a:t>                  </a:t>
+            </a:r>
+            <a:endParaRPr lang="it-IT" b="1" dirty="0"/>
+          </a:p>
+        </p:txBody>
+      </p:sp>
+    </p:spTree>
+    <p:extLst>
+      <p:ext uri="{BB962C8B-B14F-4D97-AF65-F5344CB8AC3E}">
+        <p14:creationId xmlns:p14="http://schemas.microsoft.com/office/powerpoint/2010/main" val="1100959680"/>
+      </p:ext>
+    </p:extLst>
+  </p:cSld>
+  <p:clrMapOvr>
+    <a:masterClrMapping/>
+  </p:clrMapOvr>
+</p:sld>
+</file>
+
+<file path=ppt/slides/slide5.xml><?xml version="1.0" encoding="utf-8"?>
+<p:sld xmlns:a="http://schemas.openxmlformats.org/drawingml/2006/main" xmlns:r="http://schemas.openxmlformats.org/officeDocument/2006/relationships" xmlns:p="http://schemas.openxmlformats.org/presentationml/2006/main">
+  <p:cSld>
+    <p:spTree>
+      <p:nvGrpSpPr>
+        <p:cNvPr id="1" name=""/>
+        <p:cNvGrpSpPr/>
+        <p:nvPr/>
+      </p:nvGrpSpPr>
+      <p:grpSpPr>
+        <a:xfrm>
+          <a:off x="0" y="0"/>
+          <a:ext cx="0" cy="0"/>
+          <a:chOff x="0" y="0"/>
+          <a:chExt cx="0" cy="0"/>
+        </a:xfrm>
+      </p:grpSpPr>
+      <p:sp>
+        <p:nvSpPr>
+          <p:cNvPr id="2" name="Titolo 1"/>
+          <p:cNvSpPr>
+            <a:spLocks noGrp="1"/>
+          </p:cNvSpPr>
+          <p:nvPr>
+            <p:ph type="title"/>
+          </p:nvPr>
+        </p:nvSpPr>
+        <p:spPr/>
+        <p:txBody>
+          <a:bodyPr/>
+          <a:lstStyle/>
+          <a:p>
+            <a:r>
               <a:rPr lang="it-IT" dirty="0" smtClean="0"/>
               <a:t>ANALISI DEI MODULI:</a:t>
             </a:r>
@@ -4485,7 +4707,9 @@
         </p:nvSpPr>
         <p:spPr/>
         <p:txBody>
-          <a:bodyPr/>
+          <a:bodyPr>
+            <a:normAutofit lnSpcReduction="10000"/>
+          </a:bodyPr>
           <a:lstStyle/>
           <a:p>
             <a:pPr marL="0" indent="0" algn="just">
@@ -4571,8 +4795,21 @@
             </a:pPr>
             <a:r>
               <a:rPr lang="it-IT" dirty="0" smtClean="0"/>
-              <a:t>Sono contenute inoltre funzioni utilizzate per interrogare il database ed estrapolare i dati necessari.</a:t>
-            </a:r>
+              <a:t>Sono contenute inoltre funzioni utilizzate per interrogare il database ed estrapolare i dati </a:t>
+            </a:r>
+            <a:r>
+              <a:rPr lang="it-IT" dirty="0" smtClean="0"/>
+              <a:t>necessari nelle quali, ogni componente del gruppo, ha inserito i propri percorsi delle tabelle e le proprie credenziali di </a:t>
+            </a:r>
+            <a:r>
+              <a:rPr lang="it-IT" dirty="0" err="1" smtClean="0"/>
+              <a:t>MySQL</a:t>
+            </a:r>
+            <a:r>
+              <a:rPr lang="it-IT" dirty="0" smtClean="0"/>
+              <a:t>.</a:t>
+            </a:r>
+            <a:endParaRPr lang="it-IT" dirty="0" smtClean="0"/>
           </a:p>
         </p:txBody>
       </p:sp>
@@ -4589,7 +4826,7 @@
 </p:sld>
 </file>
 
-<file path=ppt/slides/slide5.xml><?xml version="1.0" encoding="utf-8"?>
+<file path=ppt/slides/slide6.xml><?xml version="1.0" encoding="utf-8"?>
 <p:sld xmlns:a="http://schemas.openxmlformats.org/drawingml/2006/main" xmlns:r="http://schemas.openxmlformats.org/officeDocument/2006/relationships" xmlns:p="http://schemas.openxmlformats.org/presentationml/2006/main">
   <p:cSld>
     <p:spTree>
@@ -4770,139 +5007,6 @@
 </p:sld>
 </file>
 
-<file path=ppt/slides/slide6.xml><?xml version="1.0" encoding="utf-8"?>
-<p:sld xmlns:a="http://schemas.openxmlformats.org/drawingml/2006/main" xmlns:r="http://schemas.openxmlformats.org/officeDocument/2006/relationships" xmlns:p="http://schemas.openxmlformats.org/presentationml/2006/main">
-  <p:cSld>
-    <p:spTree>
-      <p:nvGrpSpPr>
-        <p:cNvPr id="1" name=""/>
-        <p:cNvGrpSpPr/>
-        <p:nvPr/>
-      </p:nvGrpSpPr>
-      <p:grpSpPr>
-        <a:xfrm>
-          <a:off x="0" y="0"/>
-          <a:ext cx="0" cy="0"/>
-          <a:chOff x="0" y="0"/>
-          <a:chExt cx="0" cy="0"/>
-        </a:xfrm>
-      </p:grpSpPr>
-      <p:sp>
-        <p:nvSpPr>
-          <p:cNvPr id="2" name="Titolo 1"/>
-          <p:cNvSpPr>
-            <a:spLocks noGrp="1"/>
-          </p:cNvSpPr>
-          <p:nvPr>
-            <p:ph type="title"/>
-          </p:nvPr>
-        </p:nvSpPr>
-        <p:spPr>
-          <a:xfrm>
-            <a:off x="113211" y="1123837"/>
-            <a:ext cx="3257006" cy="4601183"/>
-          </a:xfrm>
-        </p:spPr>
-        <p:txBody>
-          <a:bodyPr/>
-          <a:lstStyle/>
-          <a:p>
-            <a:r>
-              <a:rPr lang="it-IT" dirty="0"/>
-              <a:t>ANALISI DEI MODULI:</a:t>
-            </a:r>
-            <a:br>
-              <a:rPr lang="it-IT" dirty="0"/>
-            </a:br>
-            <a:r>
-              <a:rPr lang="it-IT" b="1" dirty="0" smtClean="0"/>
-              <a:t>BayesianNet.py</a:t>
-            </a:r>
-            <a:endParaRPr lang="it-IT" dirty="0"/>
-          </a:p>
-        </p:txBody>
-      </p:sp>
-      <p:sp>
-        <p:nvSpPr>
-          <p:cNvPr id="3" name="Segnaposto contenuto 2"/>
-          <p:cNvSpPr>
-            <a:spLocks noGrp="1"/>
-          </p:cNvSpPr>
-          <p:nvPr>
-            <p:ph idx="1"/>
-          </p:nvPr>
-        </p:nvSpPr>
-        <p:spPr/>
-        <p:txBody>
-          <a:bodyPr/>
-          <a:lstStyle/>
-          <a:p>
-            <a:pPr marL="0" indent="0">
-              <a:buNone/>
-            </a:pPr>
-            <a:r>
-              <a:rPr lang="it-IT" sz="2400" dirty="0" smtClean="0"/>
-              <a:t>I sintomi e le diagnosi sono state catalogate in 3 categorie diverse:</a:t>
-            </a:r>
-          </a:p>
-          <a:p>
-            <a:r>
-              <a:rPr lang="it-IT" sz="2400" b="1" dirty="0" err="1" smtClean="0"/>
-              <a:t>Sup</a:t>
-            </a:r>
-            <a:r>
-              <a:rPr lang="it-IT" sz="2400" dirty="0" smtClean="0"/>
-              <a:t>: se sono localizzate nella parte superiore del corpo(ventre compreso, fino alla testa)</a:t>
-            </a:r>
-          </a:p>
-          <a:p>
-            <a:r>
-              <a:rPr lang="it-IT" sz="2400" b="1" dirty="0" err="1" smtClean="0"/>
-              <a:t>Inf</a:t>
-            </a:r>
-            <a:r>
-              <a:rPr lang="it-IT" sz="2400" dirty="0" smtClean="0"/>
-              <a:t>: se sono localizzate nella parte inferiore</a:t>
-            </a:r>
-          </a:p>
-          <a:p>
-            <a:r>
-              <a:rPr lang="it-IT" sz="2400" b="1" dirty="0" err="1" smtClean="0"/>
-              <a:t>Gen</a:t>
-            </a:r>
-            <a:r>
-              <a:rPr lang="it-IT" sz="2400" dirty="0" smtClean="0"/>
-              <a:t>: se non sono localizzabili in una parte specifica del corpo(ad esempio il sintomo di ansia)</a:t>
-            </a:r>
-          </a:p>
-          <a:p>
-            <a:pPr lvl="1"/>
-            <a:endParaRPr lang="it-IT" dirty="0"/>
-          </a:p>
-          <a:p>
-            <a:pPr marL="502920" lvl="1" indent="0">
-              <a:buNone/>
-            </a:pPr>
-            <a:r>
-              <a:rPr lang="it-IT" dirty="0" smtClean="0"/>
-              <a:t>			</a:t>
-            </a:r>
-          </a:p>
-        </p:txBody>
-      </p:sp>
-    </p:spTree>
-    <p:extLst>
-      <p:ext uri="{BB962C8B-B14F-4D97-AF65-F5344CB8AC3E}">
-        <p14:creationId xmlns:p14="http://schemas.microsoft.com/office/powerpoint/2010/main" val="2219279960"/>
-      </p:ext>
-    </p:extLst>
-  </p:cSld>
-  <p:clrMapOvr>
-    <a:masterClrMapping/>
-  </p:clrMapOvr>
-</p:sld>
-</file>
-
 <file path=ppt/slides/slide7.xml><?xml version="1.0" encoding="utf-8"?>
 <p:sld xmlns:a="http://schemas.openxmlformats.org/drawingml/2006/main" xmlns:r="http://schemas.openxmlformats.org/officeDocument/2006/relationships" xmlns:p="http://schemas.openxmlformats.org/presentationml/2006/main">
   <p:cSld>
@@ -4932,8 +5036,8 @@
         </p:nvSpPr>
         <p:spPr>
           <a:xfrm>
-            <a:off x="113210" y="1123837"/>
-            <a:ext cx="3265715" cy="4601183"/>
+            <a:off x="113211" y="1123837"/>
+            <a:ext cx="3257006" cy="4601183"/>
           </a:xfrm>
         </p:spPr>
         <p:txBody>
@@ -4948,7 +5052,7 @@
               <a:rPr lang="it-IT" dirty="0"/>
             </a:br>
             <a:r>
-              <a:rPr lang="it-IT" b="1" dirty="0"/>
+              <a:rPr lang="it-IT" b="1" dirty="0" smtClean="0"/>
               <a:t>BayesianNet.py</a:t>
             </a:r>
             <a:endParaRPr lang="it-IT" dirty="0"/>
@@ -4967,36 +5071,66 @@
         </p:nvSpPr>
         <p:spPr/>
         <p:txBody>
-          <a:bodyPr>
-            <a:normAutofit/>
-          </a:bodyPr>
+          <a:bodyPr/>
           <a:lstStyle/>
           <a:p>
             <a:pPr marL="0" indent="0">
               <a:buNone/>
             </a:pPr>
             <a:r>
-              <a:rPr lang="it-IT" sz="2400" dirty="0"/>
-              <a:t>Una volta che l’utente ha inserito i sintomi, vengono prelevate le categorie a cui appartengono e viene calcolata la percentuale per ogni categoria presente. Nel modulo sono contenute funzioni per la creazione di una rete </a:t>
-            </a:r>
-            <a:r>
-              <a:rPr lang="it-IT" sz="2400" dirty="0" err="1"/>
-              <a:t>Bayesiana</a:t>
-            </a:r>
-            <a:r>
-              <a:rPr lang="it-IT" sz="2400" dirty="0"/>
-              <a:t> attraverso la quale viene calcolata la probabilità che una diagnosi appartenga ad una categoria, condizionata dalle categorie dei sintomi. </a:t>
-            </a:r>
-          </a:p>
-          <a:p>
-            <a:endParaRPr lang="it-IT" sz="2400" dirty="0"/>
+              <a:rPr lang="it-IT" sz="2400" dirty="0" smtClean="0"/>
+              <a:t>I sintomi e le diagnosi sono state catalogate in 3 categorie diverse:</a:t>
+            </a:r>
+          </a:p>
+          <a:p>
+            <a:r>
+              <a:rPr lang="it-IT" sz="2400" b="1" dirty="0" err="1" smtClean="0"/>
+              <a:t>Sup</a:t>
+            </a:r>
+            <a:r>
+              <a:rPr lang="it-IT" sz="2400" dirty="0" smtClean="0"/>
+              <a:t>: se sono localizzate nella parte superiore del corpo(ventre compreso, fino alla testa)</a:t>
+            </a:r>
+          </a:p>
+          <a:p>
+            <a:r>
+              <a:rPr lang="it-IT" sz="2400" b="1" dirty="0" err="1" smtClean="0"/>
+              <a:t>Inf</a:t>
+            </a:r>
+            <a:r>
+              <a:rPr lang="it-IT" sz="2400" dirty="0" smtClean="0"/>
+              <a:t>: se sono localizzate nella parte inferiore</a:t>
+            </a:r>
+          </a:p>
+          <a:p>
+            <a:r>
+              <a:rPr lang="it-IT" sz="2400" b="1" dirty="0" err="1" smtClean="0"/>
+              <a:t>Gen</a:t>
+            </a:r>
+            <a:r>
+              <a:rPr lang="it-IT" sz="2400" dirty="0" smtClean="0"/>
+              <a:t>: se non sono localizzabili in una parte specifica del corpo(ad esempio il sintomo di ansia)</a:t>
+            </a:r>
+          </a:p>
+          <a:p>
+            <a:pPr lvl="1"/>
+            <a:endParaRPr lang="it-IT" dirty="0"/>
+          </a:p>
+          <a:p>
+            <a:pPr marL="502920" lvl="1" indent="0">
+              <a:buNone/>
+            </a:pPr>
+            <a:r>
+              <a:rPr lang="it-IT" dirty="0" smtClean="0"/>
+              <a:t>			</a:t>
+            </a:r>
           </a:p>
         </p:txBody>
       </p:sp>
     </p:spTree>
     <p:extLst>
       <p:ext uri="{BB962C8B-B14F-4D97-AF65-F5344CB8AC3E}">
-        <p14:creationId xmlns:p14="http://schemas.microsoft.com/office/powerpoint/2010/main" val="4082087415"/>
+        <p14:creationId xmlns:p14="http://schemas.microsoft.com/office/powerpoint/2010/main" val="2219279960"/>
       </p:ext>
     </p:extLst>
   </p:cSld>
@@ -5025,59 +5159,18 @@
       </p:grpSpPr>
       <p:sp>
         <p:nvSpPr>
-          <p:cNvPr id="7" name="Rettangolo 6"/>
-          <p:cNvSpPr/>
-          <p:nvPr/>
+          <p:cNvPr id="2" name="Titolo 1"/>
+          <p:cNvSpPr>
+            <a:spLocks noGrp="1"/>
+          </p:cNvSpPr>
+          <p:nvPr>
+            <p:ph type="title"/>
+          </p:nvPr>
         </p:nvSpPr>
         <p:spPr>
           <a:xfrm>
-            <a:off x="3715443" y="2545658"/>
-            <a:ext cx="5489517" cy="3001702"/>
-          </a:xfrm>
-          <a:prstGeom prst="rect">
-            <a:avLst/>
-          </a:prstGeom>
-          <a:ln/>
-        </p:spPr>
-        <p:style>
-          <a:lnRef idx="2">
-            <a:schemeClr val="accent1"/>
-          </a:lnRef>
-          <a:fillRef idx="1">
-            <a:schemeClr val="lt1"/>
-          </a:fillRef>
-          <a:effectRef idx="0">
-            <a:schemeClr val="accent1"/>
-          </a:effectRef>
-          <a:fontRef idx="minor">
-            <a:schemeClr val="dk1"/>
-          </a:fontRef>
-        </p:style>
-        <p:txBody>
-          <a:bodyPr rtlCol="0" anchor="ctr"/>
-          <a:lstStyle/>
-          <a:p>
-            <a:pPr algn="ctr"/>
-            <a:endParaRPr lang="it-IT">
-              <a:noFill/>
-            </a:endParaRPr>
-          </a:p>
-        </p:txBody>
-      </p:sp>
-      <p:sp>
-        <p:nvSpPr>
-          <p:cNvPr id="2" name="Titolo 1"/>
-          <p:cNvSpPr>
-            <a:spLocks noGrp="1"/>
-          </p:cNvSpPr>
-          <p:nvPr>
-            <p:ph type="title"/>
-          </p:nvPr>
-        </p:nvSpPr>
-        <p:spPr>
-          <a:xfrm>
-            <a:off x="121920" y="1123837"/>
-            <a:ext cx="3257005" cy="4601183"/>
+            <a:off x="113210" y="1123837"/>
+            <a:ext cx="3265715" cy="4601183"/>
           </a:xfrm>
         </p:spPr>
         <p:txBody>
@@ -5099,61 +5192,40 @@
           </a:p>
         </p:txBody>
       </p:sp>
-      <p:pic>
-        <p:nvPicPr>
-          <p:cNvPr id="4" name="Segnaposto contenuto 3"/>
-          <p:cNvPicPr>
-            <a:picLocks noGrp="1" noChangeAspect="1"/>
-          </p:cNvPicPr>
+      <p:sp>
+        <p:nvSpPr>
+          <p:cNvPr id="3" name="Segnaposto contenuto 2"/>
+          <p:cNvSpPr>
+            <a:spLocks noGrp="1"/>
+          </p:cNvSpPr>
           <p:nvPr>
             <p:ph idx="1"/>
           </p:nvPr>
-        </p:nvPicPr>
-        <p:blipFill>
-          <a:blip r:embed="rId2">
-            <a:extLst>
-              <a:ext uri="{28A0092B-C50C-407E-A947-70E740481C1C}">
-                <a14:useLocalDpi xmlns:a14="http://schemas.microsoft.com/office/drawing/2010/main" val="0"/>
-              </a:ext>
-            </a:extLst>
-          </a:blip>
-          <a:stretch>
-            <a:fillRect/>
-          </a:stretch>
-        </p:blipFill>
-        <p:spPr>
-          <a:xfrm>
-            <a:off x="3849190" y="2651148"/>
-            <a:ext cx="5246224" cy="2801047"/>
-          </a:xfrm>
-        </p:spPr>
-      </p:pic>
-      <p:sp>
-        <p:nvSpPr>
-          <p:cNvPr id="6" name="CasellaDiTesto 5"/>
-          <p:cNvSpPr txBox="1"/>
-          <p:nvPr/>
-        </p:nvSpPr>
-        <p:spPr>
-          <a:xfrm>
-            <a:off x="3657600" y="1724297"/>
-            <a:ext cx="7106194" cy="830997"/>
-          </a:xfrm>
-          <a:prstGeom prst="rect">
-            <a:avLst/>
-          </a:prstGeom>
-          <a:noFill/>
-        </p:spPr>
-        <p:txBody>
-          <a:bodyPr wrap="square" rtlCol="0">
-            <a:spAutoFit/>
+        </p:nvSpPr>
+        <p:spPr/>
+        <p:txBody>
+          <a:bodyPr>
+            <a:normAutofit/>
           </a:bodyPr>
           <a:lstStyle/>
           <a:p>
-            <a:r>
-              <a:rPr lang="it-IT" sz="2400" dirty="0" smtClean="0"/>
-              <a:t>Esempio di lista con alcune delle diagnosi fornite all’utente e le percentuali associate</a:t>
-            </a:r>
+            <a:pPr marL="0" indent="0">
+              <a:buNone/>
+            </a:pPr>
+            <a:r>
+              <a:rPr lang="it-IT" sz="2400" dirty="0"/>
+              <a:t>Una volta che l’utente ha inserito i sintomi, vengono prelevate le categorie a cui appartengono e viene calcolata la percentuale per ogni categoria presente. Nel modulo sono contenute funzioni per la creazione di una rete </a:t>
+            </a:r>
+            <a:r>
+              <a:rPr lang="it-IT" sz="2400" dirty="0" err="1"/>
+              <a:t>Bayesiana</a:t>
+            </a:r>
+            <a:r>
+              <a:rPr lang="it-IT" sz="2400" dirty="0"/>
+              <a:t> attraverso la quale viene calcolata la probabilità che una diagnosi appartenga ad una categoria, condizionata dalle categorie dei sintomi. </a:t>
+            </a:r>
+          </a:p>
+          <a:p>
             <a:endParaRPr lang="it-IT" sz="2400" dirty="0"/>
           </a:p>
         </p:txBody>
@@ -5161,7 +5233,7 @@
     </p:spTree>
     <p:extLst>
       <p:ext uri="{BB962C8B-B14F-4D97-AF65-F5344CB8AC3E}">
-        <p14:creationId xmlns:p14="http://schemas.microsoft.com/office/powerpoint/2010/main" val="3790887349"/>
+        <p14:creationId xmlns:p14="http://schemas.microsoft.com/office/powerpoint/2010/main" val="4082087415"/>
       </p:ext>
     </p:extLst>
   </p:cSld>
@@ -5190,18 +5262,59 @@
       </p:grpSpPr>
       <p:sp>
         <p:nvSpPr>
-          <p:cNvPr id="2" name="Titolo 1"/>
-          <p:cNvSpPr>
-            <a:spLocks noGrp="1"/>
-          </p:cNvSpPr>
-          <p:nvPr>
-            <p:ph type="title"/>
-          </p:nvPr>
+          <p:cNvPr id="7" name="Rettangolo 6"/>
+          <p:cNvSpPr/>
+          <p:nvPr/>
         </p:nvSpPr>
         <p:spPr>
           <a:xfrm>
-            <a:off x="113211" y="1123837"/>
-            <a:ext cx="3230880" cy="4601183"/>
+            <a:off x="3715443" y="2545658"/>
+            <a:ext cx="5489517" cy="3001702"/>
+          </a:xfrm>
+          <a:prstGeom prst="rect">
+            <a:avLst/>
+          </a:prstGeom>
+          <a:ln/>
+        </p:spPr>
+        <p:style>
+          <a:lnRef idx="2">
+            <a:schemeClr val="accent1"/>
+          </a:lnRef>
+          <a:fillRef idx="1">
+            <a:schemeClr val="lt1"/>
+          </a:fillRef>
+          <a:effectRef idx="0">
+            <a:schemeClr val="accent1"/>
+          </a:effectRef>
+          <a:fontRef idx="minor">
+            <a:schemeClr val="dk1"/>
+          </a:fontRef>
+        </p:style>
+        <p:txBody>
+          <a:bodyPr rtlCol="0" anchor="ctr"/>
+          <a:lstStyle/>
+          <a:p>
+            <a:pPr algn="ctr"/>
+            <a:endParaRPr lang="it-IT">
+              <a:noFill/>
+            </a:endParaRPr>
+          </a:p>
+        </p:txBody>
+      </p:sp>
+      <p:sp>
+        <p:nvSpPr>
+          <p:cNvPr id="2" name="Titolo 1"/>
+          <p:cNvSpPr>
+            <a:spLocks noGrp="1"/>
+          </p:cNvSpPr>
+          <p:nvPr>
+            <p:ph type="title"/>
+          </p:nvPr>
+        </p:nvSpPr>
+        <p:spPr>
+          <a:xfrm>
+            <a:off x="121920" y="1123837"/>
+            <a:ext cx="3257005" cy="4601183"/>
           </a:xfrm>
         </p:spPr>
         <p:txBody>
@@ -5216,87 +5329,67 @@
               <a:rPr lang="it-IT" dirty="0"/>
             </a:br>
             <a:r>
-              <a:rPr lang="it-IT" b="1" dirty="0" smtClean="0"/>
-              <a:t>GeoLocation.py</a:t>
+              <a:rPr lang="it-IT" b="1" dirty="0"/>
+              <a:t>BayesianNet.py</a:t>
             </a:r>
             <a:endParaRPr lang="it-IT" dirty="0"/>
           </a:p>
         </p:txBody>
       </p:sp>
-      <p:sp>
-        <p:nvSpPr>
-          <p:cNvPr id="3" name="Segnaposto contenuto 2"/>
-          <p:cNvSpPr>
-            <a:spLocks noGrp="1"/>
-          </p:cNvSpPr>
+      <p:pic>
+        <p:nvPicPr>
+          <p:cNvPr id="4" name="Segnaposto contenuto 3"/>
+          <p:cNvPicPr>
+            <a:picLocks noGrp="1" noChangeAspect="1"/>
+          </p:cNvPicPr>
           <p:nvPr>
             <p:ph idx="1"/>
           </p:nvPr>
-        </p:nvSpPr>
-        <p:spPr/>
-        <p:txBody>
-          <a:bodyPr>
-            <a:normAutofit/>
+        </p:nvPicPr>
+        <p:blipFill>
+          <a:blip r:embed="rId2">
+            <a:extLst>
+              <a:ext uri="{28A0092B-C50C-407E-A947-70E740481C1C}">
+                <a14:useLocalDpi xmlns:a14="http://schemas.microsoft.com/office/drawing/2010/main" val="0"/>
+              </a:ext>
+            </a:extLst>
+          </a:blip>
+          <a:stretch>
+            <a:fillRect/>
+          </a:stretch>
+        </p:blipFill>
+        <p:spPr>
+          <a:xfrm>
+            <a:off x="3849190" y="2651148"/>
+            <a:ext cx="5246224" cy="2801047"/>
+          </a:xfrm>
+        </p:spPr>
+      </p:pic>
+      <p:sp>
+        <p:nvSpPr>
+          <p:cNvPr id="6" name="CasellaDiTesto 5"/>
+          <p:cNvSpPr txBox="1"/>
+          <p:nvPr/>
+        </p:nvSpPr>
+        <p:spPr>
+          <a:xfrm>
+            <a:off x="3657600" y="1724297"/>
+            <a:ext cx="7106194" cy="830997"/>
+          </a:xfrm>
+          <a:prstGeom prst="rect">
+            <a:avLst/>
+          </a:prstGeom>
+          <a:noFill/>
+        </p:spPr>
+        <p:txBody>
+          <a:bodyPr wrap="square" rtlCol="0">
+            <a:spAutoFit/>
           </a:bodyPr>
           <a:lstStyle/>
           <a:p>
             <a:r>
               <a:rPr lang="it-IT" sz="2400" dirty="0" smtClean="0"/>
-              <a:t>Nel modulo è contenuta la funzione </a:t>
-            </a:r>
-            <a:r>
-              <a:rPr lang="it-IT" sz="2400" b="1" dirty="0" err="1" smtClean="0"/>
-              <a:t>findBestPlace</a:t>
-            </a:r>
-            <a:r>
-              <a:rPr lang="it-IT" sz="2400" dirty="0" smtClean="0"/>
-              <a:t> che prende in input la </a:t>
-            </a:r>
-            <a:r>
-              <a:rPr lang="it-IT" sz="2400" b="1" dirty="0" smtClean="0"/>
-              <a:t>diagnos</a:t>
-            </a:r>
-            <a:r>
-              <a:rPr lang="it-IT" sz="2400" dirty="0" smtClean="0"/>
-              <a:t>i scelta e la </a:t>
-            </a:r>
-            <a:r>
-              <a:rPr lang="it-IT" sz="2400" b="1" dirty="0" smtClean="0"/>
-              <a:t>posizione</a:t>
-            </a:r>
-            <a:r>
-              <a:rPr lang="it-IT" sz="2400" dirty="0" smtClean="0"/>
-              <a:t> inserita dall’utente.</a:t>
-            </a:r>
-          </a:p>
-          <a:p>
-            <a:r>
-              <a:rPr lang="it-IT" sz="2400" dirty="0" smtClean="0"/>
-              <a:t> Il sistema verifica quale centro è in grado di curare quella diagnosi.</a:t>
-            </a:r>
-          </a:p>
-          <a:p>
-            <a:r>
-              <a:rPr lang="it-IT" sz="2400" dirty="0" smtClean="0"/>
-              <a:t>Calcola la distanza tra la posizione e i centri nel database.</a:t>
-            </a:r>
-          </a:p>
-          <a:p>
-            <a:r>
-              <a:rPr lang="it-IT" sz="2400" dirty="0" smtClean="0"/>
-              <a:t>Fornisce all’utente una lista con i centri e </a:t>
-            </a:r>
-            <a:r>
-              <a:rPr lang="it-IT" sz="2400" dirty="0" smtClean="0"/>
-              <a:t>le relative </a:t>
-            </a:r>
-            <a:r>
-              <a:rPr lang="it-IT" sz="2400" dirty="0" smtClean="0"/>
-              <a:t>distanze dalla posizione </a:t>
-            </a:r>
-            <a:r>
-              <a:rPr lang="it-IT" sz="2400" dirty="0" smtClean="0"/>
-              <a:t>inserita.</a:t>
+              <a:t>Esempio di lista con alcune delle diagnosi fornite all’utente e le percentuali associate</a:t>
             </a:r>
             <a:endParaRPr lang="it-IT" sz="2400" dirty="0"/>
           </a:p>
@@ -5305,7 +5398,7 @@
     </p:spTree>
     <p:extLst>
       <p:ext uri="{BB962C8B-B14F-4D97-AF65-F5344CB8AC3E}">
-        <p14:creationId xmlns:p14="http://schemas.microsoft.com/office/powerpoint/2010/main" val="1777442372"/>
+        <p14:creationId xmlns:p14="http://schemas.microsoft.com/office/powerpoint/2010/main" val="3790887349"/>
       </p:ext>
     </p:extLst>
   </p:cSld>
